--- a/lab01/00-lab01.pptx
+++ b/lab01/00-lab01.pptx
@@ -15,13 +15,16 @@
     <p:sldId id="265" r:id="rId9"/>
     <p:sldId id="263" r:id="rId10"/>
     <p:sldId id="262" r:id="rId11"/>
-    <p:sldId id="266" r:id="rId12"/>
-    <p:sldId id="267" r:id="rId13"/>
-    <p:sldId id="268" r:id="rId14"/>
-    <p:sldId id="269" r:id="rId15"/>
-    <p:sldId id="270" r:id="rId16"/>
-    <p:sldId id="271" r:id="rId17"/>
-    <p:sldId id="272" r:id="rId18"/>
+    <p:sldId id="273" r:id="rId12"/>
+    <p:sldId id="266" r:id="rId13"/>
+    <p:sldId id="267" r:id="rId14"/>
+    <p:sldId id="268" r:id="rId15"/>
+    <p:sldId id="274" r:id="rId16"/>
+    <p:sldId id="276" r:id="rId17"/>
+    <p:sldId id="269" r:id="rId18"/>
+    <p:sldId id="270" r:id="rId19"/>
+    <p:sldId id="271" r:id="rId20"/>
+    <p:sldId id="272" r:id="rId21"/>
   </p:sldIdLst>
   <p:sldSz cx="12192000" cy="6858000"/>
   <p:notesSz cx="6858000" cy="9144000"/>
@@ -358,7 +361,7 @@
             <a:fld id="{B61BEF0D-F0BB-DE4B-95CE-6DB70DBA9567}" type="datetimeFigureOut">
               <a:rPr lang="en-US" dirty="0"/>
               <a:pPr/>
-              <a:t>8/25/2021</a:t>
+              <a:t>9/23/2021</a:t>
             </a:fld>
             <a:endParaRPr lang="en-US" dirty="0"/>
           </a:p>
@@ -689,7 +692,7 @@
             <a:fld id="{B61BEF0D-F0BB-DE4B-95CE-6DB70DBA9567}" type="datetimeFigureOut">
               <a:rPr lang="en-US" dirty="0"/>
               <a:pPr/>
-              <a:t>8/25/2021</a:t>
+              <a:t>9/23/2021</a:t>
             </a:fld>
             <a:endParaRPr lang="en-US" dirty="0"/>
           </a:p>
@@ -964,7 +967,7 @@
             <a:fld id="{B61BEF0D-F0BB-DE4B-95CE-6DB70DBA9567}" type="datetimeFigureOut">
               <a:rPr lang="en-US" dirty="0"/>
               <a:pPr/>
-              <a:t>8/25/2021</a:t>
+              <a:t>9/23/2021</a:t>
             </a:fld>
             <a:endParaRPr lang="en-US" dirty="0"/>
           </a:p>
@@ -1529,7 +1532,7 @@
             <a:fld id="{B61BEF0D-F0BB-DE4B-95CE-6DB70DBA9567}" type="datetimeFigureOut">
               <a:rPr lang="en-US" dirty="0"/>
               <a:pPr/>
-              <a:t>8/25/2021</a:t>
+              <a:t>9/23/2021</a:t>
             </a:fld>
             <a:endParaRPr lang="en-US" dirty="0"/>
           </a:p>
@@ -1804,7 +1807,7 @@
             <a:fld id="{B61BEF0D-F0BB-DE4B-95CE-6DB70DBA9567}" type="datetimeFigureOut">
               <a:rPr lang="en-US" dirty="0"/>
               <a:pPr/>
-              <a:t>8/25/2021</a:t>
+              <a:t>9/23/2021</a:t>
             </a:fld>
             <a:endParaRPr lang="en-US" dirty="0"/>
           </a:p>
@@ -2363,7 +2366,7 @@
             <a:fld id="{B61BEF0D-F0BB-DE4B-95CE-6DB70DBA9567}" type="datetimeFigureOut">
               <a:rPr lang="en-US" dirty="0"/>
               <a:pPr/>
-              <a:t>8/25/2021</a:t>
+              <a:t>9/23/2021</a:t>
             </a:fld>
             <a:endParaRPr lang="en-US" dirty="0"/>
           </a:p>
@@ -2687,7 +2690,7 @@
             <a:fld id="{B61BEF0D-F0BB-DE4B-95CE-6DB70DBA9567}" type="datetimeFigureOut">
               <a:rPr lang="en-US" dirty="0"/>
               <a:pPr/>
-              <a:t>8/25/2021</a:t>
+              <a:t>9/23/2021</a:t>
             </a:fld>
             <a:endParaRPr lang="en-US" dirty="0"/>
           </a:p>
@@ -2861,7 +2864,7 @@
             <a:fld id="{B61BEF0D-F0BB-DE4B-95CE-6DB70DBA9567}" type="datetimeFigureOut">
               <a:rPr lang="en-US" dirty="0"/>
               <a:pPr/>
-              <a:t>8/25/2021</a:t>
+              <a:t>9/23/2021</a:t>
             </a:fld>
             <a:endParaRPr lang="en-US" dirty="0"/>
           </a:p>
@@ -3096,7 +3099,7 @@
             <a:fld id="{B61BEF0D-F0BB-DE4B-95CE-6DB70DBA9567}" type="datetimeFigureOut">
               <a:rPr lang="en-US" dirty="0"/>
               <a:pPr/>
-              <a:t>8/25/2021</a:t>
+              <a:t>9/23/2021</a:t>
             </a:fld>
             <a:endParaRPr lang="en-US" dirty="0"/>
           </a:p>
@@ -3293,7 +3296,7 @@
             <a:fld id="{B61BEF0D-F0BB-DE4B-95CE-6DB70DBA9567}" type="datetimeFigureOut">
               <a:rPr lang="en-US" dirty="0"/>
               <a:pPr/>
-              <a:t>8/25/2021</a:t>
+              <a:t>9/23/2021</a:t>
             </a:fld>
             <a:endParaRPr lang="en-US" dirty="0"/>
           </a:p>
@@ -3566,7 +3569,7 @@
             <a:fld id="{B61BEF0D-F0BB-DE4B-95CE-6DB70DBA9567}" type="datetimeFigureOut">
               <a:rPr lang="en-US" dirty="0"/>
               <a:pPr/>
-              <a:t>8/25/2021</a:t>
+              <a:t>9/23/2021</a:t>
             </a:fld>
             <a:endParaRPr lang="en-US" dirty="0"/>
           </a:p>
@@ -3829,7 +3832,7 @@
             <a:fld id="{B61BEF0D-F0BB-DE4B-95CE-6DB70DBA9567}" type="datetimeFigureOut">
               <a:rPr lang="en-US" dirty="0"/>
               <a:pPr/>
-              <a:t>8/25/2021</a:t>
+              <a:t>9/23/2021</a:t>
             </a:fld>
             <a:endParaRPr lang="en-US" dirty="0"/>
           </a:p>
@@ -4200,7 +4203,7 @@
             <a:fld id="{B61BEF0D-F0BB-DE4B-95CE-6DB70DBA9567}" type="datetimeFigureOut">
               <a:rPr lang="en-US" dirty="0"/>
               <a:pPr/>
-              <a:t>8/25/2021</a:t>
+              <a:t>9/23/2021</a:t>
             </a:fld>
             <a:endParaRPr lang="en-US" dirty="0"/>
           </a:p>
@@ -4345,7 +4348,7 @@
             <a:fld id="{B61BEF0D-F0BB-DE4B-95CE-6DB70DBA9567}" type="datetimeFigureOut">
               <a:rPr lang="en-US" dirty="0"/>
               <a:pPr/>
-              <a:t>8/25/2021</a:t>
+              <a:t>9/23/2021</a:t>
             </a:fld>
             <a:endParaRPr lang="en-US" dirty="0"/>
           </a:p>
@@ -4467,7 +4470,7 @@
             <a:fld id="{B61BEF0D-F0BB-DE4B-95CE-6DB70DBA9567}" type="datetimeFigureOut">
               <a:rPr lang="en-US" dirty="0"/>
               <a:pPr/>
-              <a:t>8/25/2021</a:t>
+              <a:t>9/23/2021</a:t>
             </a:fld>
             <a:endParaRPr lang="en-US" dirty="0"/>
           </a:p>
@@ -4749,7 +4752,7 @@
             <a:fld id="{B61BEF0D-F0BB-DE4B-95CE-6DB70DBA9567}" type="datetimeFigureOut">
               <a:rPr lang="en-US" dirty="0"/>
               <a:pPr/>
-              <a:t>8/25/2021</a:t>
+              <a:t>9/23/2021</a:t>
             </a:fld>
             <a:endParaRPr lang="en-US" dirty="0"/>
           </a:p>
@@ -5070,7 +5073,7 @@
             <a:fld id="{B61BEF0D-F0BB-DE4B-95CE-6DB70DBA9567}" type="datetimeFigureOut">
               <a:rPr lang="en-US" dirty="0"/>
               <a:pPr/>
-              <a:t>8/25/2021</a:t>
+              <a:t>9/23/2021</a:t>
             </a:fld>
             <a:endParaRPr lang="en-US" dirty="0"/>
           </a:p>
@@ -5281,7 +5284,7 @@
             <a:fld id="{B61BEF0D-F0BB-DE4B-95CE-6DB70DBA9567}" type="datetimeFigureOut">
               <a:rPr lang="en-US" dirty="0"/>
               <a:pPr/>
-              <a:t>8/25/2021</a:t>
+              <a:t>9/23/2021</a:t>
             </a:fld>
             <a:endParaRPr lang="en-US" dirty="0"/>
           </a:p>
@@ -6073,7 +6076,7 @@
           <p:cNvPr id="2" name="標題 1">
             <a:extLst>
               <a:ext uri="{FF2B5EF4-FFF2-40B4-BE49-F238E27FC236}">
-                <a16:creationId xmlns:a16="http://schemas.microsoft.com/office/drawing/2014/main" id="{97949E54-F293-4450-A660-220012E415CD}"/>
+                <a16:creationId xmlns:a16="http://schemas.microsoft.com/office/drawing/2014/main" id="{D5CF2B04-DA4E-4B2D-9BC3-FD850BD8F057}"/>
               </a:ext>
             </a:extLst>
           </p:cNvPr>
@@ -6091,45 +6094,134 @@
           <a:p>
             <a:r>
               <a:rPr lang="en-US" altLang="zh-TW" dirty="0"/>
-              <a:t>Reference</a:t>
+              <a:t>Exit debug mode</a:t>
             </a:r>
             <a:endParaRPr lang="zh-TW" altLang="en-US" dirty="0"/>
           </a:p>
         </p:txBody>
       </p:sp>
-      <p:sp>
-        <p:nvSpPr>
-          <p:cNvPr id="3" name="內容版面配置區 2">
+      <p:pic>
+        <p:nvPicPr>
+          <p:cNvPr id="4" name="內容版面配置區 4" descr="一張含有 文字 的圖片&#10;&#10;自動產生的描述">
             <a:extLst>
               <a:ext uri="{FF2B5EF4-FFF2-40B4-BE49-F238E27FC236}">
-                <a16:creationId xmlns:a16="http://schemas.microsoft.com/office/drawing/2014/main" id="{62EAD974-FDCC-48F0-B011-819A1458060A}"/>
+                <a16:creationId xmlns:a16="http://schemas.microsoft.com/office/drawing/2014/main" id="{363827DB-8E27-4518-BCA3-652134ED00AB}"/>
               </a:ext>
             </a:extLst>
           </p:cNvPr>
-          <p:cNvSpPr>
-            <a:spLocks noGrp="1"/>
-          </p:cNvSpPr>
+          <p:cNvPicPr>
+            <a:picLocks noGrp="1" noChangeAspect="1"/>
+          </p:cNvPicPr>
           <p:nvPr>
             <p:ph idx="1"/>
           </p:nvPr>
-        </p:nvSpPr>
-        <p:spPr/>
-        <p:txBody>
-          <a:bodyPr/>
-          <a:lstStyle/>
-          <a:p>
-            <a:r>
-              <a:rPr lang="en-US" altLang="zh-TW" dirty="0"/>
-              <a:t>https://code.visualstudio.com/docs/cpp/config-linux</a:t>
-            </a:r>
-            <a:endParaRPr lang="zh-TW" altLang="en-US" dirty="0"/>
-          </a:p>
-        </p:txBody>
-      </p:sp>
+        </p:nvPicPr>
+        <p:blipFill rotWithShape="1">
+          <a:blip r:embed="rId2"/>
+          <a:srcRect l="31797" t="3648" r="16028" b="29571"/>
+          <a:stretch/>
+        </p:blipFill>
+        <p:spPr>
+          <a:xfrm>
+            <a:off x="5751513" y="2922210"/>
+            <a:ext cx="5597855" cy="3739847"/>
+          </a:xfrm>
+        </p:spPr>
+      </p:pic>
+      <p:sp>
+        <p:nvSpPr>
+          <p:cNvPr id="7" name="文字方塊 6">
+            <a:extLst>
+              <a:ext uri="{FF2B5EF4-FFF2-40B4-BE49-F238E27FC236}">
+                <a16:creationId xmlns:a16="http://schemas.microsoft.com/office/drawing/2014/main" id="{2C4E5F63-954C-419A-B6D5-796E139E3EF4}"/>
+              </a:ext>
+            </a:extLst>
+          </p:cNvPr>
+          <p:cNvSpPr txBox="1"/>
+          <p:nvPr/>
+        </p:nvSpPr>
+        <p:spPr>
+          <a:xfrm>
+            <a:off x="866897" y="2149432"/>
+            <a:ext cx="380232" cy="553998"/>
+          </a:xfrm>
+          <a:prstGeom prst="rect">
+            <a:avLst/>
+          </a:prstGeom>
+          <a:noFill/>
+        </p:spPr>
+        <p:txBody>
+          <a:bodyPr wrap="none" rtlCol="0">
+            <a:spAutoFit/>
+          </a:bodyPr>
+          <a:lstStyle/>
+          <a:p>
+            <a:r>
+              <a:rPr lang="en-US" altLang="zh-TW" sz="3000" dirty="0">
+                <a:solidFill>
+                  <a:srgbClr val="FF0000"/>
+                </a:solidFill>
+              </a:rPr>
+              <a:t>1</a:t>
+            </a:r>
+            <a:endParaRPr lang="zh-TW" altLang="en-US" sz="3000" dirty="0">
+              <a:solidFill>
+                <a:srgbClr val="FF0000"/>
+              </a:solidFill>
+            </a:endParaRPr>
+          </a:p>
+        </p:txBody>
+      </p:sp>
+      <p:cxnSp>
+        <p:nvCxnSpPr>
+          <p:cNvPr id="9" name="接點: 肘形 8">
+            <a:extLst>
+              <a:ext uri="{FF2B5EF4-FFF2-40B4-BE49-F238E27FC236}">
+                <a16:creationId xmlns:a16="http://schemas.microsoft.com/office/drawing/2014/main" id="{8DB9E7A2-A0A6-42B7-AC95-EF4D9E6EF1EF}"/>
+              </a:ext>
+            </a:extLst>
+          </p:cNvPr>
+          <p:cNvCxnSpPr>
+            <a:cxnSpLocks/>
+          </p:cNvCxnSpPr>
+          <p:nvPr/>
+        </p:nvCxnSpPr>
+        <p:spPr>
+          <a:xfrm>
+            <a:off x="1247129" y="2455540"/>
+            <a:ext cx="8945495" cy="495779"/>
+          </a:xfrm>
+          <a:prstGeom prst="bentConnector3">
+            <a:avLst>
+              <a:gd name="adj1" fmla="val 99984"/>
+            </a:avLst>
+          </a:prstGeom>
+          <a:ln w="76200">
+            <a:solidFill>
+              <a:srgbClr val="FFFF00"/>
+            </a:solidFill>
+            <a:tailEnd type="triangle"/>
+          </a:ln>
+        </p:spPr>
+        <p:style>
+          <a:lnRef idx="1">
+            <a:schemeClr val="accent1"/>
+          </a:lnRef>
+          <a:fillRef idx="0">
+            <a:schemeClr val="accent1"/>
+          </a:fillRef>
+          <a:effectRef idx="0">
+            <a:schemeClr val="accent1"/>
+          </a:effectRef>
+          <a:fontRef idx="minor">
+            <a:schemeClr val="tx1"/>
+          </a:fontRef>
+        </p:style>
+      </p:cxnSp>
     </p:spTree>
     <p:extLst>
       <p:ext uri="{BB962C8B-B14F-4D97-AF65-F5344CB8AC3E}">
-        <p14:creationId xmlns:p14="http://schemas.microsoft.com/office/powerpoint/2010/main" val="3417498122"/>
+        <p14:creationId xmlns:p14="http://schemas.microsoft.com/office/powerpoint/2010/main" val="757216688"/>
       </p:ext>
     </p:extLst>
   </p:cSld>
@@ -6161,7 +6253,7 @@
           <p:cNvPr id="2" name="標題 1">
             <a:extLst>
               <a:ext uri="{FF2B5EF4-FFF2-40B4-BE49-F238E27FC236}">
-                <a16:creationId xmlns:a16="http://schemas.microsoft.com/office/drawing/2014/main" id="{FAB9D7EB-86C2-4716-BB77-3CF35EFB37E1}"/>
+                <a16:creationId xmlns:a16="http://schemas.microsoft.com/office/drawing/2014/main" id="{97949E54-F293-4450-A660-220012E415CD}"/>
               </a:ext>
             </a:extLst>
           </p:cNvPr>
@@ -6179,45 +6271,45 @@
           <a:p>
             <a:r>
               <a:rPr lang="en-US" altLang="zh-TW" dirty="0"/>
-              <a:t>Run VSCODE in coder</a:t>
+              <a:t>Reference</a:t>
             </a:r>
             <a:endParaRPr lang="zh-TW" altLang="en-US" dirty="0"/>
           </a:p>
         </p:txBody>
       </p:sp>
-      <p:pic>
-        <p:nvPicPr>
-          <p:cNvPr id="7" name="內容版面配置區 6">
+      <p:sp>
+        <p:nvSpPr>
+          <p:cNvPr id="3" name="內容版面配置區 2">
             <a:extLst>
               <a:ext uri="{FF2B5EF4-FFF2-40B4-BE49-F238E27FC236}">
-                <a16:creationId xmlns:a16="http://schemas.microsoft.com/office/drawing/2014/main" id="{401DB99E-E9AA-4A7A-993F-ADEEF1BDEA6B}"/>
+                <a16:creationId xmlns:a16="http://schemas.microsoft.com/office/drawing/2014/main" id="{62EAD974-FDCC-48F0-B011-819A1458060A}"/>
               </a:ext>
             </a:extLst>
           </p:cNvPr>
-          <p:cNvPicPr>
-            <a:picLocks noGrp="1" noChangeAspect="1"/>
-          </p:cNvPicPr>
+          <p:cNvSpPr>
+            <a:spLocks noGrp="1"/>
+          </p:cNvSpPr>
           <p:nvPr>
             <p:ph idx="1"/>
           </p:nvPr>
-        </p:nvPicPr>
-        <p:blipFill>
-          <a:blip r:embed="rId2"/>
-          <a:stretch>
-            <a:fillRect/>
-          </a:stretch>
-        </p:blipFill>
-        <p:spPr>
-          <a:xfrm>
-            <a:off x="3370705" y="1689915"/>
-            <a:ext cx="5819947" cy="4819742"/>
-          </a:xfrm>
-        </p:spPr>
-      </p:pic>
+        </p:nvSpPr>
+        <p:spPr/>
+        <p:txBody>
+          <a:bodyPr/>
+          <a:lstStyle/>
+          <a:p>
+            <a:r>
+              <a:rPr lang="en-US" altLang="zh-TW" dirty="0"/>
+              <a:t>https://code.visualstudio.com/docs/cpp/config-linux</a:t>
+            </a:r>
+            <a:endParaRPr lang="zh-TW" altLang="en-US" dirty="0"/>
+          </a:p>
+        </p:txBody>
+      </p:sp>
     </p:spTree>
     <p:extLst>
       <p:ext uri="{BB962C8B-B14F-4D97-AF65-F5344CB8AC3E}">
-        <p14:creationId xmlns:p14="http://schemas.microsoft.com/office/powerpoint/2010/main" val="3296734436"/>
+        <p14:creationId xmlns:p14="http://schemas.microsoft.com/office/powerpoint/2010/main" val="3417498122"/>
       </p:ext>
     </p:extLst>
   </p:cSld>
@@ -6249,7 +6341,7 @@
           <p:cNvPr id="2" name="標題 1">
             <a:extLst>
               <a:ext uri="{FF2B5EF4-FFF2-40B4-BE49-F238E27FC236}">
-                <a16:creationId xmlns:a16="http://schemas.microsoft.com/office/drawing/2014/main" id="{CEA6FF8B-EEC1-4177-94C0-731AAD17EBBB}"/>
+                <a16:creationId xmlns:a16="http://schemas.microsoft.com/office/drawing/2014/main" id="{FAB9D7EB-86C2-4716-BB77-3CF35EFB37E1}"/>
               </a:ext>
             </a:extLst>
           </p:cNvPr>
@@ -6267,102 +6359,45 @@
           <a:p>
             <a:r>
               <a:rPr lang="en-US" altLang="zh-TW" dirty="0"/>
-              <a:t>Install G++ and </a:t>
-            </a:r>
-            <a:r>
-              <a:rPr lang="en-US" altLang="zh-TW" dirty="0" err="1"/>
-              <a:t>vscode</a:t>
-            </a:r>
-            <a:r>
-              <a:rPr lang="en-US" altLang="zh-TW" dirty="0"/>
-              <a:t> extensions </a:t>
+              <a:t>Run VSCODE in coder</a:t>
             </a:r>
             <a:endParaRPr lang="zh-TW" altLang="en-US" dirty="0"/>
           </a:p>
         </p:txBody>
       </p:sp>
-      <p:sp>
-        <p:nvSpPr>
-          <p:cNvPr id="3" name="內容版面配置區 2">
+      <p:pic>
+        <p:nvPicPr>
+          <p:cNvPr id="5" name="內容版面配置區 4" descr="一張含有 文字 的圖片&#10;&#10;自動產生的描述">
             <a:extLst>
               <a:ext uri="{FF2B5EF4-FFF2-40B4-BE49-F238E27FC236}">
-                <a16:creationId xmlns:a16="http://schemas.microsoft.com/office/drawing/2014/main" id="{8969FB15-EB72-4D94-B5E8-13BF405AF9EA}"/>
+                <a16:creationId xmlns:a16="http://schemas.microsoft.com/office/drawing/2014/main" id="{074A8D39-BC33-43A8-912C-5269BF15735E}"/>
               </a:ext>
             </a:extLst>
           </p:cNvPr>
-          <p:cNvSpPr>
-            <a:spLocks noGrp="1"/>
-          </p:cNvSpPr>
+          <p:cNvPicPr>
+            <a:picLocks noGrp="1" noChangeAspect="1"/>
+          </p:cNvPicPr>
           <p:nvPr>
             <p:ph idx="1"/>
           </p:nvPr>
-        </p:nvSpPr>
-        <p:spPr/>
-        <p:txBody>
-          <a:bodyPr/>
-          <a:lstStyle/>
-          <a:p>
-            <a:r>
-              <a:rPr lang="en-US" altLang="zh-TW" dirty="0" err="1"/>
-              <a:t>sudo</a:t>
-            </a:r>
-            <a:r>
-              <a:rPr lang="en-US" altLang="zh-TW" dirty="0"/>
-              <a:t> apt update</a:t>
-            </a:r>
-          </a:p>
-          <a:p>
-            <a:r>
-              <a:rPr lang="en-US" altLang="zh-TW" dirty="0" err="1"/>
-              <a:t>sudo</a:t>
-            </a:r>
-            <a:r>
-              <a:rPr lang="en-US" altLang="zh-TW" dirty="0"/>
-              <a:t> apt install -y build-essential g++ </a:t>
-            </a:r>
-            <a:r>
-              <a:rPr lang="en-US" altLang="zh-TW" dirty="0" err="1"/>
-              <a:t>gdb</a:t>
-            </a:r>
-            <a:endParaRPr lang="en-US" altLang="zh-TW" dirty="0"/>
-          </a:p>
-          <a:p>
-            <a:r>
-              <a:rPr lang="en-US" altLang="zh-TW" dirty="0"/>
-              <a:t>g++ -v</a:t>
-            </a:r>
-          </a:p>
-          <a:p>
-            <a:r>
-              <a:rPr lang="en-US" altLang="zh-TW" dirty="0"/>
-              <a:t>curl -L https://github.com/microsoft/vscode-cpptools/releases/download/1.5.1/cpptools-linux.vsix --output </a:t>
-            </a:r>
-            <a:r>
-              <a:rPr lang="en-US" altLang="zh-TW" dirty="0" err="1"/>
-              <a:t>cpptools-linux.vsix</a:t>
-            </a:r>
-            <a:endParaRPr lang="en-US" altLang="zh-TW" dirty="0"/>
-          </a:p>
-          <a:p>
-            <a:r>
-              <a:rPr lang="en-US" altLang="zh-TW" dirty="0"/>
-              <a:t>code-server --install-extension </a:t>
-            </a:r>
-            <a:r>
-              <a:rPr lang="en-US" altLang="zh-TW" dirty="0" err="1"/>
-              <a:t>cpptools-linux.vsix</a:t>
-            </a:r>
-            <a:endParaRPr lang="en-US" altLang="zh-TW" dirty="0"/>
-          </a:p>
-          <a:p>
-            <a:endParaRPr lang="en-US" altLang="zh-TW" dirty="0"/>
-          </a:p>
-        </p:txBody>
-      </p:sp>
+        </p:nvPicPr>
+        <p:blipFill>
+          <a:blip r:embed="rId2"/>
+          <a:stretch>
+            <a:fillRect/>
+          </a:stretch>
+        </p:blipFill>
+        <p:spPr>
+          <a:xfrm>
+            <a:off x="2973881" y="1798080"/>
+            <a:ext cx="6487360" cy="4669889"/>
+          </a:xfrm>
+        </p:spPr>
+      </p:pic>
     </p:spTree>
     <p:extLst>
       <p:ext uri="{BB962C8B-B14F-4D97-AF65-F5344CB8AC3E}">
-        <p14:creationId xmlns:p14="http://schemas.microsoft.com/office/powerpoint/2010/main" val="3547716789"/>
+        <p14:creationId xmlns:p14="http://schemas.microsoft.com/office/powerpoint/2010/main" val="3296734436"/>
       </p:ext>
     </p:extLst>
   </p:cSld>
@@ -6394,7 +6429,7 @@
           <p:cNvPr id="2" name="標題 1">
             <a:extLst>
               <a:ext uri="{FF2B5EF4-FFF2-40B4-BE49-F238E27FC236}">
-                <a16:creationId xmlns:a16="http://schemas.microsoft.com/office/drawing/2014/main" id="{47CC3073-1402-46E4-80CC-3D285DA0358F}"/>
+                <a16:creationId xmlns:a16="http://schemas.microsoft.com/office/drawing/2014/main" id="{CEA6FF8B-EEC1-4177-94C0-731AAD17EBBB}"/>
               </a:ext>
             </a:extLst>
           </p:cNvPr>
@@ -6411,49 +6446,138 @@
           <a:lstStyle/>
           <a:p>
             <a:r>
-              <a:rPr lang="en-US" altLang="zh-TW" b="1" dirty="0"/>
-              <a:t>Create Hello World</a:t>
+              <a:rPr lang="en-US" altLang="zh-TW" dirty="0"/>
+              <a:t>Install G++ and </a:t>
+            </a:r>
+            <a:r>
+              <a:rPr lang="en-US" altLang="zh-TW" dirty="0" err="1"/>
+              <a:t>vscode</a:t>
+            </a:r>
+            <a:r>
+              <a:rPr lang="en-US" altLang="zh-TW" dirty="0"/>
+              <a:t> extensions </a:t>
             </a:r>
             <a:endParaRPr lang="zh-TW" altLang="en-US" dirty="0"/>
           </a:p>
         </p:txBody>
       </p:sp>
-      <p:pic>
-        <p:nvPicPr>
-          <p:cNvPr id="8" name="內容版面配置區 7" descr="一張含有 文字 的圖片&#10;&#10;自動產生的描述">
+      <p:sp>
+        <p:nvSpPr>
+          <p:cNvPr id="3" name="內容版面配置區 2">
             <a:extLst>
               <a:ext uri="{FF2B5EF4-FFF2-40B4-BE49-F238E27FC236}">
-                <a16:creationId xmlns:a16="http://schemas.microsoft.com/office/drawing/2014/main" id="{5D598FBD-3F11-4EA6-A1EC-96B0F3DD38AE}"/>
+                <a16:creationId xmlns:a16="http://schemas.microsoft.com/office/drawing/2014/main" id="{8969FB15-EB72-4D94-B5E8-13BF405AF9EA}"/>
               </a:ext>
             </a:extLst>
           </p:cNvPr>
-          <p:cNvPicPr>
-            <a:picLocks noGrp="1" noChangeAspect="1"/>
-          </p:cNvPicPr>
+          <p:cNvSpPr>
+            <a:spLocks noGrp="1"/>
+          </p:cNvSpPr>
           <p:nvPr>
             <p:ph idx="1"/>
           </p:nvPr>
-        </p:nvPicPr>
-        <p:blipFill>
-          <a:blip r:embed="rId2"/>
-          <a:stretch>
-            <a:fillRect/>
-          </a:stretch>
-        </p:blipFill>
-        <p:spPr>
-          <a:xfrm>
-            <a:off x="2467707" y="1644584"/>
-            <a:ext cx="9624767" cy="5213416"/>
+        </p:nvSpPr>
+        <p:spPr/>
+        <p:txBody>
+          <a:bodyPr/>
+          <a:lstStyle/>
+          <a:p>
+            <a:r>
+              <a:rPr lang="en-US" altLang="zh-TW" dirty="0" err="1"/>
+              <a:t>sudo</a:t>
+            </a:r>
+            <a:r>
+              <a:rPr lang="en-US" altLang="zh-TW" dirty="0"/>
+              <a:t> apt update</a:t>
+            </a:r>
+          </a:p>
+          <a:p>
+            <a:r>
+              <a:rPr lang="en-US" altLang="zh-TW" dirty="0" err="1"/>
+              <a:t>sudo</a:t>
+            </a:r>
+            <a:r>
+              <a:rPr lang="en-US" altLang="zh-TW" dirty="0"/>
+              <a:t> apt install -y build-essential g++ </a:t>
+            </a:r>
+            <a:r>
+              <a:rPr lang="en-US" altLang="zh-TW" dirty="0" err="1"/>
+              <a:t>gdb</a:t>
+            </a:r>
+            <a:endParaRPr lang="en-US" altLang="zh-TW" dirty="0"/>
+          </a:p>
+          <a:p>
+            <a:r>
+              <a:rPr lang="en-US" altLang="zh-TW" dirty="0"/>
+              <a:t>g++ -v</a:t>
+            </a:r>
+          </a:p>
+          <a:p>
+            <a:r>
+              <a:rPr lang="en-US" altLang="zh-TW" dirty="0"/>
+              <a:t>curl -L https://github.com/microsoft/vscode-cpptools/releases/download/1.5.1/cpptools-linux.vsix --output </a:t>
+            </a:r>
+            <a:r>
+              <a:rPr lang="en-US" altLang="zh-TW" dirty="0" err="1"/>
+              <a:t>cpptools-linux.vsix</a:t>
+            </a:r>
+            <a:endParaRPr lang="en-US" altLang="zh-TW" dirty="0"/>
+          </a:p>
+          <a:p>
+            <a:r>
+              <a:rPr lang="en-US" altLang="zh-TW" dirty="0"/>
+              <a:t>code-server --install-extension </a:t>
+            </a:r>
+            <a:r>
+              <a:rPr lang="en-US" altLang="zh-TW" dirty="0" err="1"/>
+              <a:t>cpptools-linux.vsix</a:t>
+            </a:r>
+            <a:endParaRPr lang="en-US" altLang="zh-TW" dirty="0"/>
+          </a:p>
+          <a:p>
+            <a:endParaRPr lang="en-US" altLang="zh-TW" dirty="0"/>
+          </a:p>
+        </p:txBody>
+      </p:sp>
+      <p:sp>
+        <p:nvSpPr>
+          <p:cNvPr id="5" name="文字方塊 4">
+            <a:extLst>
+              <a:ext uri="{FF2B5EF4-FFF2-40B4-BE49-F238E27FC236}">
+                <a16:creationId xmlns:a16="http://schemas.microsoft.com/office/drawing/2014/main" id="{848E9FCF-EBD7-467C-9F32-FE0E02ABAADC}"/>
+              </a:ext>
+            </a:extLst>
+          </p:cNvPr>
+          <p:cNvSpPr txBox="1"/>
+          <p:nvPr/>
+        </p:nvSpPr>
+        <p:spPr>
+          <a:xfrm>
+            <a:off x="0" y="6396416"/>
+            <a:ext cx="9074791" cy="369332"/>
           </a:xfrm>
           <a:prstGeom prst="rect">
             <a:avLst/>
           </a:prstGeom>
-        </p:spPr>
-      </p:pic>
+          <a:noFill/>
+        </p:spPr>
+        <p:txBody>
+          <a:bodyPr wrap="square">
+            <a:spAutoFit/>
+          </a:bodyPr>
+          <a:lstStyle/>
+          <a:p>
+            <a:r>
+              <a:rPr lang="zh-TW" altLang="en-US" dirty="0"/>
+              <a:t>https://raw.githubusercontent.com/CNOCycle/cpp_tutorial/main/lab01/install_code_server.sh</a:t>
+            </a:r>
+          </a:p>
+        </p:txBody>
+      </p:sp>
     </p:spTree>
     <p:extLst>
       <p:ext uri="{BB962C8B-B14F-4D97-AF65-F5344CB8AC3E}">
-        <p14:creationId xmlns:p14="http://schemas.microsoft.com/office/powerpoint/2010/main" val="2484164645"/>
+        <p14:creationId xmlns:p14="http://schemas.microsoft.com/office/powerpoint/2010/main" val="3547716789"/>
       </p:ext>
     </p:extLst>
   </p:cSld>
@@ -6485,7 +6609,7 @@
           <p:cNvPr id="2" name="標題 1">
             <a:extLst>
               <a:ext uri="{FF2B5EF4-FFF2-40B4-BE49-F238E27FC236}">
-                <a16:creationId xmlns:a16="http://schemas.microsoft.com/office/drawing/2014/main" id="{10B15EC0-426F-41F1-977D-018FE7BAA99B}"/>
+                <a16:creationId xmlns:a16="http://schemas.microsoft.com/office/drawing/2014/main" id="{DD959710-3AFE-466C-B647-6DC43E0169B6}"/>
               </a:ext>
             </a:extLst>
           </p:cNvPr>
@@ -6503,11 +6627,15 @@
           <a:p>
             <a:r>
               <a:rPr lang="en-US" altLang="zh-TW" dirty="0"/>
-              <a:t>CREATE </a:t>
+              <a:t>Install G++ and </a:t>
             </a:r>
             <a:r>
               <a:rPr lang="en-US" altLang="zh-TW" dirty="0" err="1"/>
-              <a:t>launch.json</a:t>
+              <a:t>vscode</a:t>
+            </a:r>
+            <a:r>
+              <a:rPr lang="en-US" altLang="zh-TW" dirty="0"/>
+              <a:t> extensions </a:t>
             </a:r>
             <a:endParaRPr lang="zh-TW" altLang="en-US" dirty="0"/>
           </a:p>
@@ -6515,10 +6643,10 @@
       </p:sp>
       <p:pic>
         <p:nvPicPr>
-          <p:cNvPr id="11" name="內容版面配置區 10" descr="一張含有 文字 的圖片&#10;&#10;自動產生的描述">
+          <p:cNvPr id="5" name="內容版面配置區 4">
             <a:extLst>
               <a:ext uri="{FF2B5EF4-FFF2-40B4-BE49-F238E27FC236}">
-                <a16:creationId xmlns:a16="http://schemas.microsoft.com/office/drawing/2014/main" id="{5451CAF7-50D3-488A-9CF9-B77F625A5204}"/>
+                <a16:creationId xmlns:a16="http://schemas.microsoft.com/office/drawing/2014/main" id="{B7F06895-49D7-493C-9A4A-06F384AE5E22}"/>
               </a:ext>
             </a:extLst>
           </p:cNvPr>
@@ -6537,15 +6665,90 @@
         </p:blipFill>
         <p:spPr>
           <a:xfrm>
-            <a:off x="570878" y="2141538"/>
-            <a:ext cx="11309667" cy="4203278"/>
+            <a:off x="577077" y="2406799"/>
+            <a:ext cx="3649662" cy="3649662"/>
           </a:xfrm>
         </p:spPr>
       </p:pic>
+      <p:pic>
+        <p:nvPicPr>
+          <p:cNvPr id="7" name="圖片 6">
+            <a:extLst>
+              <a:ext uri="{FF2B5EF4-FFF2-40B4-BE49-F238E27FC236}">
+                <a16:creationId xmlns:a16="http://schemas.microsoft.com/office/drawing/2014/main" id="{4F4A2321-EA61-408E-A4CE-E9FD6DB7CA11}"/>
+              </a:ext>
+            </a:extLst>
+          </p:cNvPr>
+          <p:cNvPicPr>
+            <a:picLocks noChangeAspect="1"/>
+          </p:cNvPicPr>
+          <p:nvPr/>
+        </p:nvPicPr>
+        <p:blipFill rotWithShape="1">
+          <a:blip r:embed="rId3"/>
+          <a:srcRect b="45141"/>
+          <a:stretch/>
+        </p:blipFill>
+        <p:spPr>
+          <a:xfrm>
+            <a:off x="4990308" y="4620535"/>
+            <a:ext cx="6211167" cy="1938886"/>
+          </a:xfrm>
+          <a:prstGeom prst="rect">
+            <a:avLst/>
+          </a:prstGeom>
+        </p:spPr>
+      </p:pic>
+      <p:cxnSp>
+        <p:nvCxnSpPr>
+          <p:cNvPr id="10" name="接點: 肘形 9">
+            <a:extLst>
+              <a:ext uri="{FF2B5EF4-FFF2-40B4-BE49-F238E27FC236}">
+                <a16:creationId xmlns:a16="http://schemas.microsoft.com/office/drawing/2014/main" id="{E8F6DA43-B17A-4196-BD7C-289D3DFCC2B3}"/>
+              </a:ext>
+            </a:extLst>
+          </p:cNvPr>
+          <p:cNvCxnSpPr>
+            <a:cxnSpLocks/>
+          </p:cNvCxnSpPr>
+          <p:nvPr/>
+        </p:nvCxnSpPr>
+        <p:spPr>
+          <a:xfrm>
+            <a:off x="4404991" y="3620278"/>
+            <a:ext cx="3866554" cy="817498"/>
+          </a:xfrm>
+          <a:prstGeom prst="bentConnector3">
+            <a:avLst>
+              <a:gd name="adj1" fmla="val 99901"/>
+            </a:avLst>
+          </a:prstGeom>
+          <a:ln w="38100">
+            <a:solidFill>
+              <a:srgbClr val="FFFF00"/>
+            </a:solidFill>
+            <a:tailEnd type="triangle"/>
+          </a:ln>
+        </p:spPr>
+        <p:style>
+          <a:lnRef idx="1">
+            <a:schemeClr val="accent1"/>
+          </a:lnRef>
+          <a:fillRef idx="0">
+            <a:schemeClr val="accent1"/>
+          </a:fillRef>
+          <a:effectRef idx="0">
+            <a:schemeClr val="accent1"/>
+          </a:effectRef>
+          <a:fontRef idx="minor">
+            <a:schemeClr val="tx1"/>
+          </a:fontRef>
+        </p:style>
+      </p:cxnSp>
     </p:spTree>
     <p:extLst>
       <p:ext uri="{BB962C8B-B14F-4D97-AF65-F5344CB8AC3E}">
-        <p14:creationId xmlns:p14="http://schemas.microsoft.com/office/powerpoint/2010/main" val="236807796"/>
+        <p14:creationId xmlns:p14="http://schemas.microsoft.com/office/powerpoint/2010/main" val="1427918347"/>
       </p:ext>
     </p:extLst>
   </p:cSld>
@@ -6577,6 +6780,624 @@
           <p:cNvPr id="2" name="標題 1">
             <a:extLst>
               <a:ext uri="{FF2B5EF4-FFF2-40B4-BE49-F238E27FC236}">
+                <a16:creationId xmlns:a16="http://schemas.microsoft.com/office/drawing/2014/main" id="{DD959710-3AFE-466C-B647-6DC43E0169B6}"/>
+              </a:ext>
+            </a:extLst>
+          </p:cNvPr>
+          <p:cNvSpPr>
+            <a:spLocks noGrp="1"/>
+          </p:cNvSpPr>
+          <p:nvPr>
+            <p:ph type="title"/>
+          </p:nvPr>
+        </p:nvSpPr>
+        <p:spPr/>
+        <p:txBody>
+          <a:bodyPr/>
+          <a:lstStyle/>
+          <a:p>
+            <a:r>
+              <a:rPr lang="en-US" altLang="zh-TW" dirty="0"/>
+              <a:t>Install G++ and </a:t>
+            </a:r>
+            <a:r>
+              <a:rPr lang="en-US" altLang="zh-TW" dirty="0" err="1"/>
+              <a:t>vscode</a:t>
+            </a:r>
+            <a:r>
+              <a:rPr lang="en-US" altLang="zh-TW" dirty="0"/>
+              <a:t> extensions </a:t>
+            </a:r>
+            <a:endParaRPr lang="zh-TW" altLang="en-US" dirty="0"/>
+          </a:p>
+        </p:txBody>
+      </p:sp>
+      <p:pic>
+        <p:nvPicPr>
+          <p:cNvPr id="7" name="圖片 6">
+            <a:extLst>
+              <a:ext uri="{FF2B5EF4-FFF2-40B4-BE49-F238E27FC236}">
+                <a16:creationId xmlns:a16="http://schemas.microsoft.com/office/drawing/2014/main" id="{4F4A2321-EA61-408E-A4CE-E9FD6DB7CA11}"/>
+              </a:ext>
+            </a:extLst>
+          </p:cNvPr>
+          <p:cNvPicPr>
+            <a:picLocks noChangeAspect="1"/>
+          </p:cNvPicPr>
+          <p:nvPr/>
+        </p:nvPicPr>
+        <p:blipFill rotWithShape="1">
+          <a:blip r:embed="rId2"/>
+          <a:srcRect b="45141"/>
+          <a:stretch/>
+        </p:blipFill>
+        <p:spPr>
+          <a:xfrm>
+            <a:off x="5443981" y="4785765"/>
+            <a:ext cx="6211167" cy="1938886"/>
+          </a:xfrm>
+          <a:prstGeom prst="rect">
+            <a:avLst/>
+          </a:prstGeom>
+        </p:spPr>
+      </p:pic>
+      <p:sp>
+        <p:nvSpPr>
+          <p:cNvPr id="8" name="內容版面配置區 2">
+            <a:extLst>
+              <a:ext uri="{FF2B5EF4-FFF2-40B4-BE49-F238E27FC236}">
+                <a16:creationId xmlns:a16="http://schemas.microsoft.com/office/drawing/2014/main" id="{8CE03A76-CE03-44BC-8650-F3A15C7402E4}"/>
+              </a:ext>
+            </a:extLst>
+          </p:cNvPr>
+          <p:cNvSpPr txBox="1">
+            <a:spLocks/>
+          </p:cNvSpPr>
+          <p:nvPr/>
+        </p:nvSpPr>
+        <p:spPr>
+          <a:xfrm>
+            <a:off x="914970" y="2272576"/>
+            <a:ext cx="6980868" cy="2044401"/>
+          </a:xfrm>
+          <a:prstGeom prst="rect">
+            <a:avLst/>
+          </a:prstGeom>
+          <a:ln w="28575">
+            <a:solidFill>
+              <a:schemeClr val="accent6"/>
+            </a:solidFill>
+          </a:ln>
+        </p:spPr>
+        <p:txBody>
+          <a:bodyPr vert="horz" lIns="91440" tIns="45720" rIns="91440" bIns="45720" rtlCol="0" anchor="ctr">
+            <a:normAutofit fontScale="85000" lnSpcReduction="10000"/>
+          </a:bodyPr>
+          <a:lstStyle>
+            <a:lvl1pPr marL="285750" indent="-285750" algn="l" defTabSz="457200" rtl="0" eaLnBrk="1" latinLnBrk="0" hangingPunct="1">
+              <a:spcBef>
+                <a:spcPts val="0"/>
+              </a:spcBef>
+              <a:spcAft>
+                <a:spcPts val="1000"/>
+              </a:spcAft>
+              <a:buClr>
+                <a:schemeClr val="tx1"/>
+              </a:buClr>
+              <a:buSzPct val="100000"/>
+              <a:buFont typeface="Arial"/>
+              <a:buChar char="•"/>
+              <a:defRPr sz="1800" kern="1200" cap="none">
+                <a:solidFill>
+                  <a:schemeClr val="tx1"/>
+                </a:solidFill>
+                <a:effectLst/>
+                <a:latin typeface="+mn-lt"/>
+                <a:ea typeface="+mn-ea"/>
+                <a:cs typeface="+mn-cs"/>
+              </a:defRPr>
+            </a:lvl1pPr>
+            <a:lvl2pPr marL="742950" indent="-285750" algn="l" defTabSz="457200" rtl="0" eaLnBrk="1" latinLnBrk="0" hangingPunct="1">
+              <a:spcBef>
+                <a:spcPts val="0"/>
+              </a:spcBef>
+              <a:spcAft>
+                <a:spcPts val="1000"/>
+              </a:spcAft>
+              <a:buClr>
+                <a:schemeClr val="tx1"/>
+              </a:buClr>
+              <a:buSzPct val="100000"/>
+              <a:buFont typeface="Arial"/>
+              <a:buChar char="•"/>
+              <a:defRPr sz="1600" kern="1200" cap="none">
+                <a:solidFill>
+                  <a:schemeClr val="tx1"/>
+                </a:solidFill>
+                <a:effectLst/>
+                <a:latin typeface="+mn-lt"/>
+                <a:ea typeface="+mn-ea"/>
+                <a:cs typeface="+mn-cs"/>
+              </a:defRPr>
+            </a:lvl2pPr>
+            <a:lvl3pPr marL="1200150" indent="-285750" algn="l" defTabSz="457200" rtl="0" eaLnBrk="1" latinLnBrk="0" hangingPunct="1">
+              <a:spcBef>
+                <a:spcPts val="0"/>
+              </a:spcBef>
+              <a:spcAft>
+                <a:spcPts val="1000"/>
+              </a:spcAft>
+              <a:buClr>
+                <a:schemeClr val="tx1"/>
+              </a:buClr>
+              <a:buSzPct val="100000"/>
+              <a:buFont typeface="Arial"/>
+              <a:buChar char="•"/>
+              <a:defRPr sz="1400" kern="1200" cap="none">
+                <a:solidFill>
+                  <a:schemeClr val="tx1"/>
+                </a:solidFill>
+                <a:effectLst/>
+                <a:latin typeface="+mn-lt"/>
+                <a:ea typeface="+mn-ea"/>
+                <a:cs typeface="+mn-cs"/>
+              </a:defRPr>
+            </a:lvl3pPr>
+            <a:lvl4pPr marL="1543050" indent="-171450" algn="l" defTabSz="457200" rtl="0" eaLnBrk="1" latinLnBrk="0" hangingPunct="1">
+              <a:spcBef>
+                <a:spcPts val="0"/>
+              </a:spcBef>
+              <a:spcAft>
+                <a:spcPts val="1000"/>
+              </a:spcAft>
+              <a:buClr>
+                <a:schemeClr val="tx1"/>
+              </a:buClr>
+              <a:buSzPct val="100000"/>
+              <a:buFont typeface="Arial"/>
+              <a:buChar char="•"/>
+              <a:defRPr sz="1200" kern="1200" cap="none">
+                <a:solidFill>
+                  <a:schemeClr val="tx1"/>
+                </a:solidFill>
+                <a:effectLst/>
+                <a:latin typeface="+mn-lt"/>
+                <a:ea typeface="+mn-ea"/>
+                <a:cs typeface="+mn-cs"/>
+              </a:defRPr>
+            </a:lvl4pPr>
+            <a:lvl5pPr marL="2000250" indent="-171450" algn="l" defTabSz="457200" rtl="0" eaLnBrk="1" latinLnBrk="0" hangingPunct="1">
+              <a:spcBef>
+                <a:spcPts val="0"/>
+              </a:spcBef>
+              <a:spcAft>
+                <a:spcPts val="1000"/>
+              </a:spcAft>
+              <a:buClr>
+                <a:schemeClr val="tx1"/>
+              </a:buClr>
+              <a:buSzPct val="100000"/>
+              <a:buFont typeface="Arial"/>
+              <a:buChar char="•"/>
+              <a:defRPr sz="1200" kern="1200" cap="none">
+                <a:solidFill>
+                  <a:schemeClr val="tx1"/>
+                </a:solidFill>
+                <a:effectLst/>
+                <a:latin typeface="+mn-lt"/>
+                <a:ea typeface="+mn-ea"/>
+                <a:cs typeface="+mn-cs"/>
+              </a:defRPr>
+            </a:lvl5pPr>
+            <a:lvl6pPr marL="2514600" indent="-228600" algn="l" defTabSz="457200" rtl="0" eaLnBrk="1" latinLnBrk="0" hangingPunct="1">
+              <a:spcBef>
+                <a:spcPts val="0"/>
+              </a:spcBef>
+              <a:spcAft>
+                <a:spcPts val="1000"/>
+              </a:spcAft>
+              <a:buClr>
+                <a:schemeClr val="tx1"/>
+              </a:buClr>
+              <a:buSzPct val="100000"/>
+              <a:buFont typeface="Arial"/>
+              <a:buChar char="•"/>
+              <a:defRPr sz="1200" kern="1200" cap="none">
+                <a:solidFill>
+                  <a:schemeClr val="tx1"/>
+                </a:solidFill>
+                <a:effectLst/>
+                <a:latin typeface="+mn-lt"/>
+                <a:ea typeface="+mn-ea"/>
+                <a:cs typeface="+mn-cs"/>
+              </a:defRPr>
+            </a:lvl6pPr>
+            <a:lvl7pPr marL="2971800" indent="-228600" algn="l" defTabSz="457200" rtl="0" eaLnBrk="1" latinLnBrk="0" hangingPunct="1">
+              <a:spcBef>
+                <a:spcPts val="0"/>
+              </a:spcBef>
+              <a:spcAft>
+                <a:spcPts val="1000"/>
+              </a:spcAft>
+              <a:buClr>
+                <a:schemeClr val="tx1"/>
+              </a:buClr>
+              <a:buSzPct val="100000"/>
+              <a:buFont typeface="Arial"/>
+              <a:buChar char="•"/>
+              <a:defRPr sz="1200" kern="1200" cap="none">
+                <a:solidFill>
+                  <a:schemeClr val="tx1"/>
+                </a:solidFill>
+                <a:effectLst/>
+                <a:latin typeface="+mn-lt"/>
+                <a:ea typeface="+mn-ea"/>
+                <a:cs typeface="+mn-cs"/>
+              </a:defRPr>
+            </a:lvl7pPr>
+            <a:lvl8pPr marL="3429000" indent="-228600" algn="l" defTabSz="457200" rtl="0" eaLnBrk="1" latinLnBrk="0" hangingPunct="1">
+              <a:spcBef>
+                <a:spcPts val="0"/>
+              </a:spcBef>
+              <a:spcAft>
+                <a:spcPts val="1000"/>
+              </a:spcAft>
+              <a:buClr>
+                <a:schemeClr val="tx1"/>
+              </a:buClr>
+              <a:buSzPct val="100000"/>
+              <a:buFont typeface="Arial"/>
+              <a:buChar char="•"/>
+              <a:defRPr sz="1200" kern="1200" cap="none">
+                <a:solidFill>
+                  <a:schemeClr val="tx1"/>
+                </a:solidFill>
+                <a:effectLst/>
+                <a:latin typeface="+mn-lt"/>
+                <a:ea typeface="+mn-ea"/>
+                <a:cs typeface="+mn-cs"/>
+              </a:defRPr>
+            </a:lvl8pPr>
+            <a:lvl9pPr marL="3886200" indent="-228600" algn="l" defTabSz="457200" rtl="0" eaLnBrk="1" latinLnBrk="0" hangingPunct="1">
+              <a:spcBef>
+                <a:spcPts val="0"/>
+              </a:spcBef>
+              <a:spcAft>
+                <a:spcPts val="1000"/>
+              </a:spcAft>
+              <a:buClr>
+                <a:schemeClr val="tx1"/>
+              </a:buClr>
+              <a:buSzPct val="100000"/>
+              <a:buFont typeface="Arial"/>
+              <a:buChar char="•"/>
+              <a:defRPr sz="1200" kern="1200" cap="none">
+                <a:solidFill>
+                  <a:schemeClr val="tx1"/>
+                </a:solidFill>
+                <a:effectLst/>
+                <a:latin typeface="+mn-lt"/>
+                <a:ea typeface="+mn-ea"/>
+                <a:cs typeface="+mn-cs"/>
+              </a:defRPr>
+            </a:lvl9pPr>
+          </a:lstStyle>
+          <a:p>
+            <a:r>
+              <a:rPr lang="en-US" altLang="zh-TW" dirty="0" err="1"/>
+              <a:t>sudo</a:t>
+            </a:r>
+            <a:r>
+              <a:rPr lang="en-US" altLang="zh-TW" dirty="0"/>
+              <a:t> apt update</a:t>
+            </a:r>
+          </a:p>
+          <a:p>
+            <a:r>
+              <a:rPr lang="en-US" altLang="zh-TW" dirty="0" err="1"/>
+              <a:t>sudo</a:t>
+            </a:r>
+            <a:r>
+              <a:rPr lang="en-US" altLang="zh-TW" dirty="0"/>
+              <a:t> apt install -y build-essential g++ </a:t>
+            </a:r>
+            <a:r>
+              <a:rPr lang="en-US" altLang="zh-TW" dirty="0" err="1"/>
+              <a:t>gdb</a:t>
+            </a:r>
+            <a:endParaRPr lang="en-US" altLang="zh-TW" dirty="0"/>
+          </a:p>
+          <a:p>
+            <a:r>
+              <a:rPr lang="en-US" altLang="zh-TW" dirty="0"/>
+              <a:t>g++ -v</a:t>
+            </a:r>
+          </a:p>
+          <a:p>
+            <a:r>
+              <a:rPr lang="en-US" altLang="zh-TW" dirty="0"/>
+              <a:t>curl -L https://github.com/microsoft/vscode-cpptools/releases/download/1.5.1/cpptools-linux.vsix --output </a:t>
+            </a:r>
+            <a:r>
+              <a:rPr lang="en-US" altLang="zh-TW" dirty="0" err="1"/>
+              <a:t>cpptools-linux.vsix</a:t>
+            </a:r>
+            <a:endParaRPr lang="en-US" altLang="zh-TW" dirty="0"/>
+          </a:p>
+          <a:p>
+            <a:r>
+              <a:rPr lang="en-US" altLang="zh-TW" dirty="0"/>
+              <a:t>code-server --install-extension </a:t>
+            </a:r>
+            <a:r>
+              <a:rPr lang="en-US" altLang="zh-TW" dirty="0" err="1"/>
+              <a:t>cpptools-linux.vsix</a:t>
+            </a:r>
+            <a:endParaRPr lang="en-US" altLang="zh-TW" dirty="0"/>
+          </a:p>
+        </p:txBody>
+      </p:sp>
+      <p:cxnSp>
+        <p:nvCxnSpPr>
+          <p:cNvPr id="9" name="接點: 肘形 8">
+            <a:extLst>
+              <a:ext uri="{FF2B5EF4-FFF2-40B4-BE49-F238E27FC236}">
+                <a16:creationId xmlns:a16="http://schemas.microsoft.com/office/drawing/2014/main" id="{6BBC9CA6-65DC-4C5A-8E9C-3F9490ACAD0A}"/>
+              </a:ext>
+            </a:extLst>
+          </p:cNvPr>
+          <p:cNvCxnSpPr>
+            <a:cxnSpLocks/>
+          </p:cNvCxnSpPr>
+          <p:nvPr/>
+        </p:nvCxnSpPr>
+        <p:spPr>
+          <a:xfrm>
+            <a:off x="8003097" y="3931083"/>
+            <a:ext cx="2021747" cy="771787"/>
+          </a:xfrm>
+          <a:prstGeom prst="bentConnector3">
+            <a:avLst>
+              <a:gd name="adj1" fmla="val 99793"/>
+            </a:avLst>
+          </a:prstGeom>
+          <a:ln w="38100">
+            <a:solidFill>
+              <a:srgbClr val="FFFF00"/>
+            </a:solidFill>
+            <a:tailEnd type="triangle"/>
+          </a:ln>
+        </p:spPr>
+        <p:style>
+          <a:lnRef idx="1">
+            <a:schemeClr val="accent1"/>
+          </a:lnRef>
+          <a:fillRef idx="0">
+            <a:schemeClr val="accent1"/>
+          </a:fillRef>
+          <a:effectRef idx="0">
+            <a:schemeClr val="accent1"/>
+          </a:effectRef>
+          <a:fontRef idx="minor">
+            <a:schemeClr val="tx1"/>
+          </a:fontRef>
+        </p:style>
+      </p:cxnSp>
+    </p:spTree>
+    <p:extLst>
+      <p:ext uri="{BB962C8B-B14F-4D97-AF65-F5344CB8AC3E}">
+        <p14:creationId xmlns:p14="http://schemas.microsoft.com/office/powerpoint/2010/main" val="617668730"/>
+      </p:ext>
+    </p:extLst>
+  </p:cSld>
+  <p:clrMapOvr>
+    <a:masterClrMapping/>
+  </p:clrMapOvr>
+</p:sld>
+</file>
+
+<file path=ppt/slides/slide17.xml><?xml version="1.0" encoding="utf-8"?>
+<p:sld xmlns:a="http://schemas.openxmlformats.org/drawingml/2006/main" xmlns:r="http://schemas.openxmlformats.org/officeDocument/2006/relationships" xmlns:p="http://schemas.openxmlformats.org/presentationml/2006/main">
+  <p:cSld>
+    <p:spTree>
+      <p:nvGrpSpPr>
+        <p:cNvPr id="1" name=""/>
+        <p:cNvGrpSpPr/>
+        <p:nvPr/>
+      </p:nvGrpSpPr>
+      <p:grpSpPr>
+        <a:xfrm>
+          <a:off x="0" y="0"/>
+          <a:ext cx="0" cy="0"/>
+          <a:chOff x="0" y="0"/>
+          <a:chExt cx="0" cy="0"/>
+        </a:xfrm>
+      </p:grpSpPr>
+      <p:sp>
+        <p:nvSpPr>
+          <p:cNvPr id="2" name="標題 1">
+            <a:extLst>
+              <a:ext uri="{FF2B5EF4-FFF2-40B4-BE49-F238E27FC236}">
+                <a16:creationId xmlns:a16="http://schemas.microsoft.com/office/drawing/2014/main" id="{47CC3073-1402-46E4-80CC-3D285DA0358F}"/>
+              </a:ext>
+            </a:extLst>
+          </p:cNvPr>
+          <p:cNvSpPr>
+            <a:spLocks noGrp="1"/>
+          </p:cNvSpPr>
+          <p:nvPr>
+            <p:ph type="title"/>
+          </p:nvPr>
+        </p:nvSpPr>
+        <p:spPr/>
+        <p:txBody>
+          <a:bodyPr/>
+          <a:lstStyle/>
+          <a:p>
+            <a:r>
+              <a:rPr lang="en-US" altLang="zh-TW" b="1" dirty="0"/>
+              <a:t>Create Hello World</a:t>
+            </a:r>
+            <a:endParaRPr lang="zh-TW" altLang="en-US" dirty="0"/>
+          </a:p>
+        </p:txBody>
+      </p:sp>
+      <p:pic>
+        <p:nvPicPr>
+          <p:cNvPr id="5" name="內容版面配置區 4">
+            <a:extLst>
+              <a:ext uri="{FF2B5EF4-FFF2-40B4-BE49-F238E27FC236}">
+                <a16:creationId xmlns:a16="http://schemas.microsoft.com/office/drawing/2014/main" id="{CEC2E53E-0B27-4234-A119-4FCC82C22EB7}"/>
+              </a:ext>
+            </a:extLst>
+          </p:cNvPr>
+          <p:cNvPicPr>
+            <a:picLocks noGrp="1" noChangeAspect="1"/>
+          </p:cNvPicPr>
+          <p:nvPr>
+            <p:ph idx="1"/>
+          </p:nvPr>
+        </p:nvPicPr>
+        <p:blipFill>
+          <a:blip r:embed="rId2"/>
+          <a:stretch>
+            <a:fillRect/>
+          </a:stretch>
+        </p:blipFill>
+        <p:spPr>
+          <a:xfrm>
+            <a:off x="2240810" y="2141538"/>
+            <a:ext cx="7021404" cy="3649662"/>
+          </a:xfrm>
+        </p:spPr>
+      </p:pic>
+    </p:spTree>
+    <p:extLst>
+      <p:ext uri="{BB962C8B-B14F-4D97-AF65-F5344CB8AC3E}">
+        <p14:creationId xmlns:p14="http://schemas.microsoft.com/office/powerpoint/2010/main" val="2484164645"/>
+      </p:ext>
+    </p:extLst>
+  </p:cSld>
+  <p:clrMapOvr>
+    <a:masterClrMapping/>
+  </p:clrMapOvr>
+</p:sld>
+</file>
+
+<file path=ppt/slides/slide18.xml><?xml version="1.0" encoding="utf-8"?>
+<p:sld xmlns:a="http://schemas.openxmlformats.org/drawingml/2006/main" xmlns:r="http://schemas.openxmlformats.org/officeDocument/2006/relationships" xmlns:p="http://schemas.openxmlformats.org/presentationml/2006/main">
+  <p:cSld>
+    <p:spTree>
+      <p:nvGrpSpPr>
+        <p:cNvPr id="1" name=""/>
+        <p:cNvGrpSpPr/>
+        <p:nvPr/>
+      </p:nvGrpSpPr>
+      <p:grpSpPr>
+        <a:xfrm>
+          <a:off x="0" y="0"/>
+          <a:ext cx="0" cy="0"/>
+          <a:chOff x="0" y="0"/>
+          <a:chExt cx="0" cy="0"/>
+        </a:xfrm>
+      </p:grpSpPr>
+      <p:sp>
+        <p:nvSpPr>
+          <p:cNvPr id="2" name="標題 1">
+            <a:extLst>
+              <a:ext uri="{FF2B5EF4-FFF2-40B4-BE49-F238E27FC236}">
+                <a16:creationId xmlns:a16="http://schemas.microsoft.com/office/drawing/2014/main" id="{10B15EC0-426F-41F1-977D-018FE7BAA99B}"/>
+              </a:ext>
+            </a:extLst>
+          </p:cNvPr>
+          <p:cNvSpPr>
+            <a:spLocks noGrp="1"/>
+          </p:cNvSpPr>
+          <p:nvPr>
+            <p:ph type="title"/>
+          </p:nvPr>
+        </p:nvSpPr>
+        <p:spPr/>
+        <p:txBody>
+          <a:bodyPr/>
+          <a:lstStyle/>
+          <a:p>
+            <a:r>
+              <a:rPr lang="en-US" altLang="zh-TW" dirty="0"/>
+              <a:t>CREATE </a:t>
+            </a:r>
+            <a:r>
+              <a:rPr lang="en-US" altLang="zh-TW" dirty="0" err="1"/>
+              <a:t>launch.json</a:t>
+            </a:r>
+            <a:endParaRPr lang="zh-TW" altLang="en-US" dirty="0"/>
+          </a:p>
+        </p:txBody>
+      </p:sp>
+      <p:pic>
+        <p:nvPicPr>
+          <p:cNvPr id="5" name="內容版面配置區 4" descr="一張含有 文字 的圖片&#10;&#10;自動產生的描述">
+            <a:extLst>
+              <a:ext uri="{FF2B5EF4-FFF2-40B4-BE49-F238E27FC236}">
+                <a16:creationId xmlns:a16="http://schemas.microsoft.com/office/drawing/2014/main" id="{3678DCC9-984D-42E1-86D6-0E7AAB895AEF}"/>
+              </a:ext>
+            </a:extLst>
+          </p:cNvPr>
+          <p:cNvPicPr>
+            <a:picLocks noGrp="1" noChangeAspect="1"/>
+          </p:cNvPicPr>
+          <p:nvPr>
+            <p:ph idx="1"/>
+          </p:nvPr>
+        </p:nvPicPr>
+        <p:blipFill>
+          <a:blip r:embed="rId2"/>
+          <a:stretch>
+            <a:fillRect/>
+          </a:stretch>
+        </p:blipFill>
+        <p:spPr>
+          <a:xfrm>
+            <a:off x="1056488" y="2141538"/>
+            <a:ext cx="9390048" cy="3649662"/>
+          </a:xfrm>
+        </p:spPr>
+      </p:pic>
+    </p:spTree>
+    <p:extLst>
+      <p:ext uri="{BB962C8B-B14F-4D97-AF65-F5344CB8AC3E}">
+        <p14:creationId xmlns:p14="http://schemas.microsoft.com/office/powerpoint/2010/main" val="236807796"/>
+      </p:ext>
+    </p:extLst>
+  </p:cSld>
+  <p:clrMapOvr>
+    <a:masterClrMapping/>
+  </p:clrMapOvr>
+</p:sld>
+</file>
+
+<file path=ppt/slides/slide19.xml><?xml version="1.0" encoding="utf-8"?>
+<p:sld xmlns:a="http://schemas.openxmlformats.org/drawingml/2006/main" xmlns:r="http://schemas.openxmlformats.org/officeDocument/2006/relationships" xmlns:p="http://schemas.openxmlformats.org/presentationml/2006/main">
+  <p:cSld>
+    <p:spTree>
+      <p:nvGrpSpPr>
+        <p:cNvPr id="1" name=""/>
+        <p:cNvGrpSpPr/>
+        <p:nvPr/>
+      </p:nvGrpSpPr>
+      <p:grpSpPr>
+        <a:xfrm>
+          <a:off x="0" y="0"/>
+          <a:ext cx="0" cy="0"/>
+          <a:chOff x="0" y="0"/>
+          <a:chExt cx="0" cy="0"/>
+        </a:xfrm>
+      </p:grpSpPr>
+      <p:sp>
+        <p:nvSpPr>
+          <p:cNvPr id="2" name="標題 1">
+            <a:extLst>
+              <a:ext uri="{FF2B5EF4-FFF2-40B4-BE49-F238E27FC236}">
                 <a16:creationId xmlns:a16="http://schemas.microsoft.com/office/drawing/2014/main" id="{7914E695-9C2E-4B69-B588-8A6B8B8454D8}"/>
               </a:ext>
             </a:extLst>
@@ -6647,7 +7468,239 @@
 </p:sld>
 </file>
 
-<file path=ppt/slides/slide17.xml><?xml version="1.0" encoding="utf-8"?>
+<file path=ppt/slides/slide2.xml><?xml version="1.0" encoding="utf-8"?>
+<p:sld xmlns:a="http://schemas.openxmlformats.org/drawingml/2006/main" xmlns:r="http://schemas.openxmlformats.org/officeDocument/2006/relationships" xmlns:p="http://schemas.openxmlformats.org/presentationml/2006/main">
+  <p:cSld>
+    <p:spTree>
+      <p:nvGrpSpPr>
+        <p:cNvPr id="1" name=""/>
+        <p:cNvGrpSpPr/>
+        <p:nvPr/>
+      </p:nvGrpSpPr>
+      <p:grpSpPr>
+        <a:xfrm>
+          <a:off x="0" y="0"/>
+          <a:ext cx="0" cy="0"/>
+          <a:chOff x="0" y="0"/>
+          <a:chExt cx="0" cy="0"/>
+        </a:xfrm>
+      </p:grpSpPr>
+      <p:sp>
+        <p:nvSpPr>
+          <p:cNvPr id="2" name="標題 1">
+            <a:extLst>
+              <a:ext uri="{FF2B5EF4-FFF2-40B4-BE49-F238E27FC236}">
+                <a16:creationId xmlns:a16="http://schemas.microsoft.com/office/drawing/2014/main" id="{FF45F231-6377-4B04-96DE-DE659C1CB40A}"/>
+              </a:ext>
+            </a:extLst>
+          </p:cNvPr>
+          <p:cNvSpPr>
+            <a:spLocks noGrp="1"/>
+          </p:cNvSpPr>
+          <p:nvPr>
+            <p:ph type="title"/>
+          </p:nvPr>
+        </p:nvSpPr>
+        <p:spPr/>
+        <p:txBody>
+          <a:bodyPr/>
+          <a:lstStyle/>
+          <a:p>
+            <a:r>
+              <a:rPr lang="en-US" altLang="zh-TW" b="1" dirty="0"/>
+              <a:t>Ensure GCC is installed</a:t>
+            </a:r>
+            <a:endParaRPr lang="zh-TW" altLang="en-US" dirty="0"/>
+          </a:p>
+        </p:txBody>
+      </p:sp>
+      <p:sp>
+        <p:nvSpPr>
+          <p:cNvPr id="3" name="內容版面配置區 2">
+            <a:extLst>
+              <a:ext uri="{FF2B5EF4-FFF2-40B4-BE49-F238E27FC236}">
+                <a16:creationId xmlns:a16="http://schemas.microsoft.com/office/drawing/2014/main" id="{DA748B44-01BB-4863-A536-30A0224D524E}"/>
+              </a:ext>
+            </a:extLst>
+          </p:cNvPr>
+          <p:cNvSpPr>
+            <a:spLocks noGrp="1"/>
+          </p:cNvSpPr>
+          <p:nvPr>
+            <p:ph idx="1"/>
+          </p:nvPr>
+        </p:nvSpPr>
+        <p:spPr>
+          <a:xfrm>
+            <a:off x="685801" y="2142067"/>
+            <a:ext cx="10131425" cy="1968539"/>
+          </a:xfrm>
+        </p:spPr>
+        <p:txBody>
+          <a:bodyPr/>
+          <a:lstStyle/>
+          <a:p>
+            <a:r>
+              <a:rPr lang="en-US" altLang="zh-TW" dirty="0" err="1"/>
+              <a:t>sudo</a:t>
+            </a:r>
+            <a:r>
+              <a:rPr lang="en-US" altLang="zh-TW" dirty="0"/>
+              <a:t> apt update</a:t>
+            </a:r>
+          </a:p>
+          <a:p>
+            <a:r>
+              <a:rPr lang="en-US" altLang="zh-TW" dirty="0" err="1"/>
+              <a:t>sudo</a:t>
+            </a:r>
+            <a:r>
+              <a:rPr lang="en-US" altLang="zh-TW" dirty="0"/>
+              <a:t> apt install -y build-essential g++ </a:t>
+            </a:r>
+            <a:r>
+              <a:rPr lang="en-US" altLang="zh-TW" dirty="0" err="1"/>
+              <a:t>gdb</a:t>
+            </a:r>
+            <a:endParaRPr lang="en-US" altLang="zh-TW" dirty="0"/>
+          </a:p>
+          <a:p>
+            <a:r>
+              <a:rPr lang="en-US" altLang="zh-TW" dirty="0"/>
+              <a:t>g++ -v</a:t>
+            </a:r>
+          </a:p>
+          <a:p>
+            <a:endParaRPr lang="zh-TW" altLang="en-US" dirty="0"/>
+          </a:p>
+        </p:txBody>
+      </p:sp>
+      <p:pic>
+        <p:nvPicPr>
+          <p:cNvPr id="8" name="圖片 7" descr="一張含有 文字 的圖片&#10;&#10;自動產生的描述">
+            <a:extLst>
+              <a:ext uri="{FF2B5EF4-FFF2-40B4-BE49-F238E27FC236}">
+                <a16:creationId xmlns:a16="http://schemas.microsoft.com/office/drawing/2014/main" id="{9203BEC8-635A-4828-A779-52DF2DBA123F}"/>
+              </a:ext>
+            </a:extLst>
+          </p:cNvPr>
+          <p:cNvPicPr>
+            <a:picLocks noChangeAspect="1"/>
+          </p:cNvPicPr>
+          <p:nvPr/>
+        </p:nvPicPr>
+        <p:blipFill>
+          <a:blip r:embed="rId2"/>
+          <a:stretch>
+            <a:fillRect/>
+          </a:stretch>
+        </p:blipFill>
+        <p:spPr>
+          <a:xfrm>
+            <a:off x="6283869" y="2052301"/>
+            <a:ext cx="5401114" cy="3818028"/>
+          </a:xfrm>
+          <a:prstGeom prst="rect">
+            <a:avLst/>
+          </a:prstGeom>
+        </p:spPr>
+      </p:pic>
+      <p:sp>
+        <p:nvSpPr>
+          <p:cNvPr id="6" name="橢圓 5">
+            <a:extLst>
+              <a:ext uri="{FF2B5EF4-FFF2-40B4-BE49-F238E27FC236}">
+                <a16:creationId xmlns:a16="http://schemas.microsoft.com/office/drawing/2014/main" id="{51BE4E51-6F0B-4F50-8D7E-0123FDC6F17B}"/>
+              </a:ext>
+            </a:extLst>
+          </p:cNvPr>
+          <p:cNvSpPr/>
+          <p:nvPr/>
+        </p:nvSpPr>
+        <p:spPr>
+          <a:xfrm>
+            <a:off x="6022921" y="5221700"/>
+            <a:ext cx="4613986" cy="367336"/>
+          </a:xfrm>
+          <a:prstGeom prst="ellipse">
+            <a:avLst/>
+          </a:prstGeom>
+          <a:noFill/>
+          <a:ln w="57150">
+            <a:solidFill>
+              <a:srgbClr val="FF0000"/>
+            </a:solidFill>
+          </a:ln>
+        </p:spPr>
+        <p:style>
+          <a:lnRef idx="2">
+            <a:schemeClr val="accent1">
+              <a:shade val="50000"/>
+            </a:schemeClr>
+          </a:lnRef>
+          <a:fillRef idx="1">
+            <a:schemeClr val="accent1"/>
+          </a:fillRef>
+          <a:effectRef idx="0">
+            <a:schemeClr val="accent1"/>
+          </a:effectRef>
+          <a:fontRef idx="minor">
+            <a:schemeClr val="lt1"/>
+          </a:fontRef>
+        </p:style>
+        <p:txBody>
+          <a:bodyPr rtlCol="0" anchor="ctr"/>
+          <a:lstStyle/>
+          <a:p>
+            <a:pPr algn="ctr"/>
+            <a:endParaRPr lang="zh-TW" altLang="en-US"/>
+          </a:p>
+        </p:txBody>
+      </p:sp>
+      <p:pic>
+        <p:nvPicPr>
+          <p:cNvPr id="10" name="圖片 9" descr="一張含有 文字 的圖片&#10;&#10;自動產生的描述">
+            <a:extLst>
+              <a:ext uri="{FF2B5EF4-FFF2-40B4-BE49-F238E27FC236}">
+                <a16:creationId xmlns:a16="http://schemas.microsoft.com/office/drawing/2014/main" id="{3EEBA210-35E4-4A37-86AF-2E1CB26E998F}"/>
+              </a:ext>
+            </a:extLst>
+          </p:cNvPr>
+          <p:cNvPicPr>
+            <a:picLocks noChangeAspect="1"/>
+          </p:cNvPicPr>
+          <p:nvPr/>
+        </p:nvPicPr>
+        <p:blipFill>
+          <a:blip r:embed="rId3"/>
+          <a:stretch>
+            <a:fillRect/>
+          </a:stretch>
+        </p:blipFill>
+        <p:spPr>
+          <a:xfrm>
+            <a:off x="799312" y="4925200"/>
+            <a:ext cx="3294451" cy="945129"/>
+          </a:xfrm>
+          <a:prstGeom prst="rect">
+            <a:avLst/>
+          </a:prstGeom>
+        </p:spPr>
+      </p:pic>
+    </p:spTree>
+    <p:extLst>
+      <p:ext uri="{BB962C8B-B14F-4D97-AF65-F5344CB8AC3E}">
+        <p14:creationId xmlns:p14="http://schemas.microsoft.com/office/powerpoint/2010/main" val="3988807247"/>
+      </p:ext>
+    </p:extLst>
+  </p:cSld>
+  <p:clrMapOvr>
+    <a:masterClrMapping/>
+  </p:clrMapOvr>
+</p:sld>
+</file>
+
+<file path=ppt/slides/slide20.xml><?xml version="1.0" encoding="utf-8"?>
 <p:sld xmlns:a="http://schemas.openxmlformats.org/drawingml/2006/main" xmlns:r="http://schemas.openxmlformats.org/officeDocument/2006/relationships" xmlns:p="http://schemas.openxmlformats.org/presentationml/2006/main">
   <p:cSld>
     <p:spTree>
@@ -6727,237 +7780,6 @@
     <p:extLst>
       <p:ext uri="{BB962C8B-B14F-4D97-AF65-F5344CB8AC3E}">
         <p14:creationId xmlns:p14="http://schemas.microsoft.com/office/powerpoint/2010/main" val="3413204671"/>
-      </p:ext>
-    </p:extLst>
-  </p:cSld>
-  <p:clrMapOvr>
-    <a:masterClrMapping/>
-  </p:clrMapOvr>
-</p:sld>
-</file>
-
-<file path=ppt/slides/slide2.xml><?xml version="1.0" encoding="utf-8"?>
-<p:sld xmlns:a="http://schemas.openxmlformats.org/drawingml/2006/main" xmlns:r="http://schemas.openxmlformats.org/officeDocument/2006/relationships" xmlns:p="http://schemas.openxmlformats.org/presentationml/2006/main">
-  <p:cSld>
-    <p:spTree>
-      <p:nvGrpSpPr>
-        <p:cNvPr id="1" name=""/>
-        <p:cNvGrpSpPr/>
-        <p:nvPr/>
-      </p:nvGrpSpPr>
-      <p:grpSpPr>
-        <a:xfrm>
-          <a:off x="0" y="0"/>
-          <a:ext cx="0" cy="0"/>
-          <a:chOff x="0" y="0"/>
-          <a:chExt cx="0" cy="0"/>
-        </a:xfrm>
-      </p:grpSpPr>
-      <p:pic>
-        <p:nvPicPr>
-          <p:cNvPr id="9" name="圖片 8" descr="一張含有 文字, 監視器, 螢幕擷取畫面, 螢幕 的圖片&#10;&#10;自動產生的描述">
-            <a:extLst>
-              <a:ext uri="{FF2B5EF4-FFF2-40B4-BE49-F238E27FC236}">
-                <a16:creationId xmlns:a16="http://schemas.microsoft.com/office/drawing/2014/main" id="{8B4D8B59-B49F-4398-98EE-F3E471D4E921}"/>
-              </a:ext>
-            </a:extLst>
-          </p:cNvPr>
-          <p:cNvPicPr>
-            <a:picLocks noChangeAspect="1"/>
-          </p:cNvPicPr>
-          <p:nvPr/>
-        </p:nvPicPr>
-        <p:blipFill rotWithShape="1">
-          <a:blip r:embed="rId2"/>
-          <a:srcRect r="45177"/>
-          <a:stretch/>
-        </p:blipFill>
-        <p:spPr>
-          <a:xfrm>
-            <a:off x="5629511" y="2827809"/>
-            <a:ext cx="6316534" cy="3042520"/>
-          </a:xfrm>
-          <a:prstGeom prst="rect">
-            <a:avLst/>
-          </a:prstGeom>
-        </p:spPr>
-      </p:pic>
-      <p:sp>
-        <p:nvSpPr>
-          <p:cNvPr id="2" name="標題 1">
-            <a:extLst>
-              <a:ext uri="{FF2B5EF4-FFF2-40B4-BE49-F238E27FC236}">
-                <a16:creationId xmlns:a16="http://schemas.microsoft.com/office/drawing/2014/main" id="{FF45F231-6377-4B04-96DE-DE659C1CB40A}"/>
-              </a:ext>
-            </a:extLst>
-          </p:cNvPr>
-          <p:cNvSpPr>
-            <a:spLocks noGrp="1"/>
-          </p:cNvSpPr>
-          <p:nvPr>
-            <p:ph type="title"/>
-          </p:nvPr>
-        </p:nvSpPr>
-        <p:spPr/>
-        <p:txBody>
-          <a:bodyPr/>
-          <a:lstStyle/>
-          <a:p>
-            <a:r>
-              <a:rPr lang="en-US" altLang="zh-TW" b="1" dirty="0"/>
-              <a:t>Ensure GCC is installed</a:t>
-            </a:r>
-            <a:endParaRPr lang="zh-TW" altLang="en-US" dirty="0"/>
-          </a:p>
-        </p:txBody>
-      </p:sp>
-      <p:sp>
-        <p:nvSpPr>
-          <p:cNvPr id="3" name="內容版面配置區 2">
-            <a:extLst>
-              <a:ext uri="{FF2B5EF4-FFF2-40B4-BE49-F238E27FC236}">
-                <a16:creationId xmlns:a16="http://schemas.microsoft.com/office/drawing/2014/main" id="{DA748B44-01BB-4863-A536-30A0224D524E}"/>
-              </a:ext>
-            </a:extLst>
-          </p:cNvPr>
-          <p:cNvSpPr>
-            <a:spLocks noGrp="1"/>
-          </p:cNvSpPr>
-          <p:nvPr>
-            <p:ph idx="1"/>
-          </p:nvPr>
-        </p:nvSpPr>
-        <p:spPr>
-          <a:xfrm>
-            <a:off x="685801" y="2142067"/>
-            <a:ext cx="10131425" cy="1968539"/>
-          </a:xfrm>
-        </p:spPr>
-        <p:txBody>
-          <a:bodyPr/>
-          <a:lstStyle/>
-          <a:p>
-            <a:r>
-              <a:rPr lang="en-US" altLang="zh-TW" dirty="0" err="1"/>
-              <a:t>sudo</a:t>
-            </a:r>
-            <a:r>
-              <a:rPr lang="en-US" altLang="zh-TW" dirty="0"/>
-              <a:t> apt update</a:t>
-            </a:r>
-          </a:p>
-          <a:p>
-            <a:r>
-              <a:rPr lang="en-US" altLang="zh-TW" dirty="0" err="1"/>
-              <a:t>sudo</a:t>
-            </a:r>
-            <a:r>
-              <a:rPr lang="en-US" altLang="zh-TW" dirty="0"/>
-              <a:t> apt install -y build-essential g++ </a:t>
-            </a:r>
-            <a:r>
-              <a:rPr lang="en-US" altLang="zh-TW" dirty="0" err="1"/>
-              <a:t>gdb</a:t>
-            </a:r>
-            <a:endParaRPr lang="en-US" altLang="zh-TW" dirty="0"/>
-          </a:p>
-          <a:p>
-            <a:r>
-              <a:rPr lang="en-US" altLang="zh-TW" dirty="0"/>
-              <a:t>g++ -v</a:t>
-            </a:r>
-          </a:p>
-          <a:p>
-            <a:endParaRPr lang="zh-TW" altLang="en-US" dirty="0"/>
-          </a:p>
-        </p:txBody>
-      </p:sp>
-      <p:sp>
-        <p:nvSpPr>
-          <p:cNvPr id="6" name="橢圓 5">
-            <a:extLst>
-              <a:ext uri="{FF2B5EF4-FFF2-40B4-BE49-F238E27FC236}">
-                <a16:creationId xmlns:a16="http://schemas.microsoft.com/office/drawing/2014/main" id="{51BE4E51-6F0B-4F50-8D7E-0123FDC6F17B}"/>
-              </a:ext>
-            </a:extLst>
-          </p:cNvPr>
-          <p:cNvSpPr/>
-          <p:nvPr/>
-        </p:nvSpPr>
-        <p:spPr>
-          <a:xfrm>
-            <a:off x="5332808" y="5297120"/>
-            <a:ext cx="5484418" cy="367336"/>
-          </a:xfrm>
-          <a:prstGeom prst="ellipse">
-            <a:avLst/>
-          </a:prstGeom>
-          <a:noFill/>
-          <a:ln w="57150">
-            <a:solidFill>
-              <a:srgbClr val="FF0000"/>
-            </a:solidFill>
-          </a:ln>
-        </p:spPr>
-        <p:style>
-          <a:lnRef idx="2">
-            <a:schemeClr val="accent1">
-              <a:shade val="50000"/>
-            </a:schemeClr>
-          </a:lnRef>
-          <a:fillRef idx="1">
-            <a:schemeClr val="accent1"/>
-          </a:fillRef>
-          <a:effectRef idx="0">
-            <a:schemeClr val="accent1"/>
-          </a:effectRef>
-          <a:fontRef idx="minor">
-            <a:schemeClr val="lt1"/>
-          </a:fontRef>
-        </p:style>
-        <p:txBody>
-          <a:bodyPr rtlCol="0" anchor="ctr"/>
-          <a:lstStyle/>
-          <a:p>
-            <a:pPr algn="ctr"/>
-            <a:endParaRPr lang="zh-TW" altLang="en-US"/>
-          </a:p>
-        </p:txBody>
-      </p:sp>
-      <p:pic>
-        <p:nvPicPr>
-          <p:cNvPr id="5" name="圖片 4" descr="一張含有 文字, 橙色 的圖片&#10;&#10;自動產生的描述">
-            <a:extLst>
-              <a:ext uri="{FF2B5EF4-FFF2-40B4-BE49-F238E27FC236}">
-                <a16:creationId xmlns:a16="http://schemas.microsoft.com/office/drawing/2014/main" id="{30E2E2FD-9AB6-44B2-9FC8-628ADEA5B605}"/>
-              </a:ext>
-            </a:extLst>
-          </p:cNvPr>
-          <p:cNvPicPr>
-            <a:picLocks noChangeAspect="1"/>
-          </p:cNvPicPr>
-          <p:nvPr/>
-        </p:nvPicPr>
-        <p:blipFill>
-          <a:blip r:embed="rId3"/>
-          <a:stretch>
-            <a:fillRect/>
-          </a:stretch>
-        </p:blipFill>
-        <p:spPr>
-          <a:xfrm>
-            <a:off x="993450" y="5091248"/>
-            <a:ext cx="3848663" cy="779081"/>
-          </a:xfrm>
-          <a:prstGeom prst="rect">
-            <a:avLst/>
-          </a:prstGeom>
-        </p:spPr>
-      </p:pic>
-    </p:spTree>
-    <p:extLst>
-      <p:ext uri="{BB962C8B-B14F-4D97-AF65-F5344CB8AC3E}">
-        <p14:creationId xmlns:p14="http://schemas.microsoft.com/office/powerpoint/2010/main" val="3988807247"/>
       </p:ext>
     </p:extLst>
   </p:cSld>
@@ -7877,6 +8699,42 @@
           </a:p>
         </p:txBody>
       </p:sp>
+      <p:sp>
+        <p:nvSpPr>
+          <p:cNvPr id="4" name="文字方塊 3">
+            <a:extLst>
+              <a:ext uri="{FF2B5EF4-FFF2-40B4-BE49-F238E27FC236}">
+                <a16:creationId xmlns:a16="http://schemas.microsoft.com/office/drawing/2014/main" id="{7711D352-384F-49EA-B2BF-3D71C21CC7B0}"/>
+              </a:ext>
+            </a:extLst>
+          </p:cNvPr>
+          <p:cNvSpPr txBox="1"/>
+          <p:nvPr/>
+        </p:nvSpPr>
+        <p:spPr>
+          <a:xfrm>
+            <a:off x="-1" y="6488668"/>
+            <a:ext cx="8472881" cy="369332"/>
+          </a:xfrm>
+          <a:prstGeom prst="rect">
+            <a:avLst/>
+          </a:prstGeom>
+          <a:noFill/>
+        </p:spPr>
+        <p:txBody>
+          <a:bodyPr wrap="square">
+            <a:spAutoFit/>
+          </a:bodyPr>
+          <a:lstStyle/>
+          <a:p>
+            <a:r>
+              <a:rPr lang="en-US" altLang="zh-TW" dirty="0"/>
+              <a:t>https://raw.githubusercontent.com/CNOCycle/cpp_tutorial/main/lab01/hello_world.cpp</a:t>
+            </a:r>
+            <a:endParaRPr lang="zh-TW" altLang="en-US" dirty="0"/>
+          </a:p>
+        </p:txBody>
+      </p:sp>
     </p:spTree>
     <p:extLst>
       <p:ext uri="{BB962C8B-B14F-4D97-AF65-F5344CB8AC3E}">
@@ -7909,10 +8767,10 @@
       </p:grpSpPr>
       <p:pic>
         <p:nvPicPr>
-          <p:cNvPr id="16" name="內容版面配置區 15" descr="一張含有 文字 的圖片&#10;&#10;自動產生的描述">
+          <p:cNvPr id="13" name="內容版面配置區 12" descr="一張含有 文字 的圖片&#10;&#10;自動產生的描述">
             <a:extLst>
               <a:ext uri="{FF2B5EF4-FFF2-40B4-BE49-F238E27FC236}">
-                <a16:creationId xmlns:a16="http://schemas.microsoft.com/office/drawing/2014/main" id="{BE85C302-3E0B-4919-ACB7-320308FE3363}"/>
+                <a16:creationId xmlns:a16="http://schemas.microsoft.com/office/drawing/2014/main" id="{1826B547-E420-4106-99E2-21F2C90C9939}"/>
               </a:ext>
             </a:extLst>
           </p:cNvPr>
@@ -7931,12 +8789,9 @@
         </p:blipFill>
         <p:spPr>
           <a:xfrm>
-            <a:off x="2462168" y="86623"/>
-            <a:ext cx="7010601" cy="6771377"/>
-          </a:xfrm>
-          <a:prstGeom prst="rect">
-            <a:avLst/>
-          </a:prstGeom>
+            <a:off x="2413068" y="410697"/>
+            <a:ext cx="7623125" cy="5868463"/>
+          </a:xfrm>
         </p:spPr>
       </p:pic>
       <p:sp>
@@ -7953,7 +8808,7 @@
         </p:nvSpPr>
         <p:spPr>
           <a:xfrm>
-            <a:off x="4848313" y="303361"/>
+            <a:off x="4723002" y="351142"/>
             <a:ext cx="855678" cy="326267"/>
           </a:xfrm>
           <a:prstGeom prst="ellipse">
@@ -8005,7 +8860,7 @@
         </p:nvSpPr>
         <p:spPr>
           <a:xfrm>
-            <a:off x="4135772" y="4794936"/>
+            <a:off x="5335398" y="5201173"/>
             <a:ext cx="1174459" cy="222306"/>
           </a:xfrm>
           <a:prstGeom prst="ellipse">
@@ -8057,7 +8912,7 @@
         </p:nvSpPr>
         <p:spPr>
           <a:xfrm>
-            <a:off x="4277108" y="5184396"/>
+            <a:off x="5410899" y="5612235"/>
             <a:ext cx="701879" cy="222306"/>
           </a:xfrm>
           <a:prstGeom prst="ellipse">
@@ -8245,8 +9100,8 @@
         </p:nvCxnSpPr>
         <p:spPr>
           <a:xfrm flipV="1">
-            <a:off x="940086" y="581847"/>
-            <a:ext cx="4033538" cy="2076432"/>
+            <a:off x="940086" y="629628"/>
+            <a:ext cx="3908227" cy="2028651"/>
           </a:xfrm>
           <a:prstGeom prst="straightConnector1">
             <a:avLst/>
@@ -8292,7 +9147,7 @@
         <p:spPr>
           <a:xfrm>
             <a:off x="940086" y="3802145"/>
-            <a:ext cx="3367682" cy="1025347"/>
+            <a:ext cx="4567308" cy="1431584"/>
           </a:xfrm>
           <a:prstGeom prst="straightConnector1">
             <a:avLst/>
@@ -8338,7 +9193,7 @@
         <p:spPr>
           <a:xfrm>
             <a:off x="940086" y="4794936"/>
-            <a:ext cx="3439810" cy="422016"/>
+            <a:ext cx="4573601" cy="849855"/>
           </a:xfrm>
           <a:prstGeom prst="straightConnector1">
             <a:avLst/>
@@ -8845,6 +9700,41 @@
           </a:p>
         </p:txBody>
       </p:sp>
+      <p:sp>
+        <p:nvSpPr>
+          <p:cNvPr id="4" name="文字方塊 3">
+            <a:extLst>
+              <a:ext uri="{FF2B5EF4-FFF2-40B4-BE49-F238E27FC236}">
+                <a16:creationId xmlns:a16="http://schemas.microsoft.com/office/drawing/2014/main" id="{54DBFDF7-8E6A-4609-B180-9DA3D5EBA00D}"/>
+              </a:ext>
+            </a:extLst>
+          </p:cNvPr>
+          <p:cNvSpPr txBox="1"/>
+          <p:nvPr/>
+        </p:nvSpPr>
+        <p:spPr>
+          <a:xfrm>
+            <a:off x="0" y="6488668"/>
+            <a:ext cx="8143613" cy="369332"/>
+          </a:xfrm>
+          <a:prstGeom prst="rect">
+            <a:avLst/>
+          </a:prstGeom>
+          <a:noFill/>
+        </p:spPr>
+        <p:txBody>
+          <a:bodyPr wrap="square">
+            <a:spAutoFit/>
+          </a:bodyPr>
+          <a:lstStyle/>
+          <a:p>
+            <a:r>
+              <a:rPr lang="zh-TW" altLang="en-US" dirty="0"/>
+              <a:t>https://raw.githubusercontent.com/CNOCycle/cpp_tutorial/main/lab01/launch.json</a:t>
+            </a:r>
+          </a:p>
+        </p:txBody>
+      </p:sp>
     </p:spTree>
     <p:extLst>
       <p:ext uri="{BB962C8B-B14F-4D97-AF65-F5344CB8AC3E}">
@@ -8952,10 +9842,10 @@
       </p:sp>
       <p:pic>
         <p:nvPicPr>
-          <p:cNvPr id="7" name="圖片 6" descr="一張含有 文字 的圖片&#10;&#10;自動產生的描述">
+          <p:cNvPr id="5" name="圖片 4" descr="一張含有 文字 的圖片&#10;&#10;自動產生的描述">
             <a:extLst>
               <a:ext uri="{FF2B5EF4-FFF2-40B4-BE49-F238E27FC236}">
-                <a16:creationId xmlns:a16="http://schemas.microsoft.com/office/drawing/2014/main" id="{6D40319D-E7E6-4002-A0D1-9E39579838BD}"/>
+                <a16:creationId xmlns:a16="http://schemas.microsoft.com/office/drawing/2014/main" id="{D656AA6D-CB7C-4999-B1DF-AA70A4878E4C}"/>
               </a:ext>
             </a:extLst>
           </p:cNvPr>
@@ -8972,8 +9862,8 @@
         </p:blipFill>
         <p:spPr>
           <a:xfrm>
-            <a:off x="6652726" y="1755287"/>
-            <a:ext cx="4918787" cy="4937140"/>
+            <a:off x="685801" y="2790736"/>
+            <a:ext cx="4772691" cy="1276528"/>
           </a:xfrm>
           <a:prstGeom prst="rect">
             <a:avLst/>
@@ -8982,10 +9872,10 @@
       </p:pic>
       <p:pic>
         <p:nvPicPr>
-          <p:cNvPr id="6" name="圖片 5" descr="一張含有 文字 的圖片&#10;&#10;自動產生的描述">
+          <p:cNvPr id="7" name="圖片 6" descr="一張含有 文字 的圖片&#10;&#10;自動產生的描述">
             <a:extLst>
               <a:ext uri="{FF2B5EF4-FFF2-40B4-BE49-F238E27FC236}">
-                <a16:creationId xmlns:a16="http://schemas.microsoft.com/office/drawing/2014/main" id="{42E4EB51-4654-4CCD-A7B9-B8FEDDE0CAD9}"/>
+                <a16:creationId xmlns:a16="http://schemas.microsoft.com/office/drawing/2014/main" id="{6D40319D-E7E6-4002-A0D1-9E39579838BD}"/>
               </a:ext>
             </a:extLst>
           </p:cNvPr>
@@ -9002,8 +9892,8 @@
         </p:blipFill>
         <p:spPr>
           <a:xfrm>
-            <a:off x="685801" y="2769255"/>
-            <a:ext cx="4706007" cy="1238423"/>
+            <a:off x="6652726" y="1755287"/>
+            <a:ext cx="4918787" cy="4937140"/>
           </a:xfrm>
           <a:prstGeom prst="rect">
             <a:avLst/>
